--- a/Project_Documents/P26_Poster.pptx
+++ b/Project_Documents/P26_Poster.pptx
@@ -172,12 +172,12 @@
   <pc:docChgLst>
     <pc:chgData name="6D25 LO PAK KI KAPAKKI" userId="1d9645cf-eaab-4cae-b7e1-7c5aa5a61423" providerId="ADAL" clId="{9EBAE53A-94BF-4EB0-AD04-A140859767C2}"/>
     <pc:docChg chg="undo custSel modSld">
-      <pc:chgData name="6D25 LO PAK KI KAPAKKI" userId="1d9645cf-eaab-4cae-b7e1-7c5aa5a61423" providerId="ADAL" clId="{9EBAE53A-94BF-4EB0-AD04-A140859767C2}" dt="2023-02-05T16:45:48.448" v="1659" actId="1076"/>
+      <pc:chgData name="6D25 LO PAK KI KAPAKKI" userId="1d9645cf-eaab-4cae-b7e1-7c5aa5a61423" providerId="ADAL" clId="{9EBAE53A-94BF-4EB0-AD04-A140859767C2}" dt="2023-02-07T10:24:40.563" v="1666" actId="1076"/>
       <pc:docMkLst>
         <pc:docMk/>
       </pc:docMkLst>
       <pc:sldChg chg="addSp delSp modSp mod">
-        <pc:chgData name="6D25 LO PAK KI KAPAKKI" userId="1d9645cf-eaab-4cae-b7e1-7c5aa5a61423" providerId="ADAL" clId="{9EBAE53A-94BF-4EB0-AD04-A140859767C2}" dt="2023-02-05T16:45:48.448" v="1659" actId="1076"/>
+        <pc:chgData name="6D25 LO PAK KI KAPAKKI" userId="1d9645cf-eaab-4cae-b7e1-7c5aa5a61423" providerId="ADAL" clId="{9EBAE53A-94BF-4EB0-AD04-A140859767C2}" dt="2023-02-07T10:24:40.563" v="1666" actId="1076"/>
         <pc:sldMkLst>
           <pc:docMk/>
           <pc:sldMk cId="0" sldId="256"/>
@@ -271,6 +271,14 @@
           </ac:picMkLst>
         </pc:picChg>
         <pc:picChg chg="add mod">
+          <ac:chgData name="6D25 LO PAK KI KAPAKKI" userId="1d9645cf-eaab-4cae-b7e1-7c5aa5a61423" providerId="ADAL" clId="{9EBAE53A-94BF-4EB0-AD04-A140859767C2}" dt="2023-02-07T10:24:40.563" v="1666" actId="1076"/>
+          <ac:picMkLst>
+            <pc:docMk/>
+            <pc:sldMk cId="0" sldId="256"/>
+            <ac:picMk id="15" creationId="{968503B1-7173-7F54-33C7-19FB0F0F6985}"/>
+          </ac:picMkLst>
+        </pc:picChg>
+        <pc:picChg chg="add mod">
           <ac:chgData name="6D25 LO PAK KI KAPAKKI" userId="1d9645cf-eaab-4cae-b7e1-7c5aa5a61423" providerId="ADAL" clId="{9EBAE53A-94BF-4EB0-AD04-A140859767C2}" dt="2023-02-05T16:43:12.312" v="1612" actId="1076"/>
           <ac:picMkLst>
             <pc:docMk/>
@@ -278,8 +286,8 @@
             <ac:picMk id="17" creationId="{37EE659D-4A61-B437-9E05-2AC209954C80}"/>
           </ac:picMkLst>
         </pc:picChg>
-        <pc:picChg chg="add mod">
-          <ac:chgData name="6D25 LO PAK KI KAPAKKI" userId="1d9645cf-eaab-4cae-b7e1-7c5aa5a61423" providerId="ADAL" clId="{9EBAE53A-94BF-4EB0-AD04-A140859767C2}" dt="2023-02-05T16:45:15.341" v="1624" actId="1076"/>
+        <pc:picChg chg="add del mod">
+          <ac:chgData name="6D25 LO PAK KI KAPAKKI" userId="1d9645cf-eaab-4cae-b7e1-7c5aa5a61423" providerId="ADAL" clId="{9EBAE53A-94BF-4EB0-AD04-A140859767C2}" dt="2023-02-07T10:24:26.296" v="1660" actId="478"/>
           <ac:picMkLst>
             <pc:docMk/>
             <pc:sldMk cId="0" sldId="256"/>
@@ -653,7 +661,7 @@
               <a:pPr>
                 <a:defRPr/>
               </a:pPr>
-              <a:t>2023/2/6</a:t>
+              <a:t>2023/2/7</a:t>
             </a:fld>
             <a:endParaRPr lang="zh-CN" altLang="en-US"/>
           </a:p>
@@ -5814,10 +5822,10 @@
       </p:pic>
       <p:pic>
         <p:nvPicPr>
-          <p:cNvPr id="20" name="Picture 19">
+          <p:cNvPr id="15" name="Picture 14">
             <a:extLst>
               <a:ext uri="{FF2B5EF4-FFF2-40B4-BE49-F238E27FC236}">
-                <a16:creationId xmlns:a16="http://schemas.microsoft.com/office/drawing/2014/main" id="{D9BE38B0-F130-EBBB-7877-5BFE88B1A73B}"/>
+                <a16:creationId xmlns:a16="http://schemas.microsoft.com/office/drawing/2014/main" id="{968503B1-7173-7F54-33C7-19FB0F0F6985}"/>
               </a:ext>
             </a:extLst>
           </p:cNvPr>
@@ -5834,8 +5842,8 @@
         </p:blipFill>
         <p:spPr>
           <a:xfrm>
-            <a:off x="23282277" y="19229389"/>
-            <a:ext cx="4657722" cy="4657722"/>
+            <a:off x="23274159" y="19281775"/>
+            <a:ext cx="4623157" cy="4623157"/>
           </a:xfrm>
           <a:prstGeom prst="rect">
             <a:avLst/>
@@ -6707,21 +6715,6 @@
 </file>
 
 <file path=customXml/item1.xml><?xml version="1.0" encoding="utf-8"?>
-<p:properties xmlns:p="http://schemas.microsoft.com/office/2006/metadata/properties" xmlns:xsi="http://www.w3.org/2001/XMLSchema-instance" xmlns:pc="http://schemas.microsoft.com/office/infopath/2007/PartnerControls">
-  <documentManagement/>
-</p:properties>
-</file>
-
-<file path=customXml/item2.xml><?xml version="1.0" encoding="utf-8"?>
-<?mso-contentType ?>
-<FormTemplates xmlns="http://schemas.microsoft.com/sharepoint/v3/contenttype/forms">
-  <Display>DocumentLibraryForm</Display>
-  <Edit>DocumentLibraryForm</Edit>
-  <New>DocumentLibraryForm</New>
-</FormTemplates>
-</file>
-
-<file path=customXml/item3.xml><?xml version="1.0" encoding="utf-8"?>
 <ct:contentTypeSchema xmlns:ct="http://schemas.microsoft.com/office/2006/metadata/contentType" xmlns:ma="http://schemas.microsoft.com/office/2006/metadata/properties/metaAttributes" ct:_="" ma:_="" ma:contentTypeName="Document" ma:contentTypeID="0x0101004F1654235C5CA44FBA336076A8AAA218" ma:contentTypeVersion="7" ma:contentTypeDescription="Create a new document." ma:contentTypeScope="" ma:versionID="09927aeacaff90a9d782380c295c03d2">
   <xsd:schema xmlns:xsd="http://www.w3.org/2001/XMLSchema" xmlns:xs="http://www.w3.org/2001/XMLSchema" xmlns:p="http://schemas.microsoft.com/office/2006/metadata/properties" xmlns:ns3="f792bfd4-8775-4c64-9cc0-5deceb05eff7" xmlns:ns4="5d311089-2fdb-4465-bd6c-265a8c34f07c" targetNamespace="http://schemas.microsoft.com/office/2006/metadata/properties" ma:root="true" ma:fieldsID="d4395c7fb537e951d187637c17016761" ns3:_="" ns4:_="">
     <xsd:import namespace="f792bfd4-8775-4c64-9cc0-5deceb05eff7"/>
@@ -6906,32 +6899,22 @@
 </ct:contentTypeSchema>
 </file>
 
-<file path=customXml/itemProps1.xml><?xml version="1.0" encoding="utf-8"?>
-<ds:datastoreItem xmlns:ds="http://schemas.openxmlformats.org/officeDocument/2006/customXml" ds:itemID="{A5229628-06EB-46DA-98C9-4D149DC96CAC}">
-  <ds:schemaRefs>
-    <ds:schemaRef ds:uri="http://www.w3.org/XML/1998/namespace"/>
-    <ds:schemaRef ds:uri="http://purl.org/dc/elements/1.1/"/>
-    <ds:schemaRef ds:uri="http://schemas.microsoft.com/office/infopath/2007/PartnerControls"/>
-    <ds:schemaRef ds:uri="5d311089-2fdb-4465-bd6c-265a8c34f07c"/>
-    <ds:schemaRef ds:uri="f792bfd4-8775-4c64-9cc0-5deceb05eff7"/>
-    <ds:schemaRef ds:uri="http://purl.org/dc/dcmitype/"/>
-    <ds:schemaRef ds:uri="http://schemas.microsoft.com/office/2006/documentManagement/types"/>
-    <ds:schemaRef ds:uri="http://schemas.openxmlformats.org/package/2006/metadata/core-properties"/>
-    <ds:schemaRef ds:uri="http://schemas.microsoft.com/office/2006/metadata/properties"/>
-    <ds:schemaRef ds:uri="http://purl.org/dc/terms/"/>
-  </ds:schemaRefs>
-</ds:datastoreItem>
+<file path=customXml/item2.xml><?xml version="1.0" encoding="utf-8"?>
+<?mso-contentType ?>
+<FormTemplates xmlns="http://schemas.microsoft.com/sharepoint/v3/contenttype/forms">
+  <Display>DocumentLibraryForm</Display>
+  <Edit>DocumentLibraryForm</Edit>
+  <New>DocumentLibraryForm</New>
+</FormTemplates>
 </file>
 
-<file path=customXml/itemProps2.xml><?xml version="1.0" encoding="utf-8"?>
-<ds:datastoreItem xmlns:ds="http://schemas.openxmlformats.org/officeDocument/2006/customXml" ds:itemID="{531510A3-D1FE-45C8-AE9E-F9898CA69D81}">
-  <ds:schemaRefs>
-    <ds:schemaRef ds:uri="http://schemas.microsoft.com/sharepoint/v3/contenttype/forms"/>
-  </ds:schemaRefs>
-</ds:datastoreItem>
+<file path=customXml/item3.xml><?xml version="1.0" encoding="utf-8"?>
+<p:properties xmlns:p="http://schemas.microsoft.com/office/2006/metadata/properties" xmlns:xsi="http://www.w3.org/2001/XMLSchema-instance" xmlns:pc="http://schemas.microsoft.com/office/infopath/2007/PartnerControls">
+  <documentManagement/>
+</p:properties>
 </file>
 
-<file path=customXml/itemProps3.xml><?xml version="1.0" encoding="utf-8"?>
+<file path=customXml/itemProps1.xml><?xml version="1.0" encoding="utf-8"?>
 <ds:datastoreItem xmlns:ds="http://schemas.openxmlformats.org/officeDocument/2006/customXml" ds:itemID="{73ED156F-4D9B-4BCA-B04D-4E9F74EB47FC}">
   <ds:schemaRefs>
     <ds:schemaRef ds:uri="http://schemas.microsoft.com/office/2006/metadata/contentType"/>
@@ -6948,4 +6931,29 @@
     <ds:schemaRef ds:uri="http://schemas.microsoft.com/internal/obd"/>
   </ds:schemaRefs>
 </ds:datastoreItem>
+</file>
+
+<file path=customXml/itemProps2.xml><?xml version="1.0" encoding="utf-8"?>
+<ds:datastoreItem xmlns:ds="http://schemas.openxmlformats.org/officeDocument/2006/customXml" ds:itemID="{531510A3-D1FE-45C8-AE9E-F9898CA69D81}">
+  <ds:schemaRefs>
+    <ds:schemaRef ds:uri="http://schemas.microsoft.com/sharepoint/v3/contenttype/forms"/>
+  </ds:schemaRefs>
+</ds:datastoreItem>
+</file>
+
+<file path=customXml/itemProps3.xml><?xml version="1.0" encoding="utf-8"?>
+<ds:datastoreItem xmlns:ds="http://schemas.openxmlformats.org/officeDocument/2006/customXml" ds:itemID="{A5229628-06EB-46DA-98C9-4D149DC96CAC}">
+  <ds:schemaRefs>
+    <ds:schemaRef ds:uri="http://www.w3.org/XML/1998/namespace"/>
+    <ds:schemaRef ds:uri="http://purl.org/dc/elements/1.1/"/>
+    <ds:schemaRef ds:uri="http://schemas.microsoft.com/office/infopath/2007/PartnerControls"/>
+    <ds:schemaRef ds:uri="5d311089-2fdb-4465-bd6c-265a8c34f07c"/>
+    <ds:schemaRef ds:uri="f792bfd4-8775-4c64-9cc0-5deceb05eff7"/>
+    <ds:schemaRef ds:uri="http://purl.org/dc/dcmitype/"/>
+    <ds:schemaRef ds:uri="http://schemas.microsoft.com/office/2006/documentManagement/types"/>
+    <ds:schemaRef ds:uri="http://schemas.openxmlformats.org/package/2006/metadata/core-properties"/>
+    <ds:schemaRef ds:uri="http://schemas.microsoft.com/office/2006/metadata/properties"/>
+    <ds:schemaRef ds:uri="http://purl.org/dc/terms/"/>
+  </ds:schemaRefs>
+</ds:datastoreItem>
 </file>